--- a/Daily Agendas/Day7.3_DreamMachine2.pptx
+++ b/Daily Agendas/Day7.3_DreamMachine2.pptx
@@ -3512,11 +3512,7 @@
             </a:r>
             <a:r>
               <a:rPr lang="en-US" smtClean="0"/>
-              <a:t>Oct </a:t>
-            </a:r>
-            <a:r>
-              <a:rPr lang="en-US" smtClean="0"/>
-              <a:t>16</a:t>
+              <a:t>Oct 16</a:t>
             </a:r>
             <a:endParaRPr lang="en-US" dirty="0"/>
           </a:p>
@@ -3535,7 +3531,7 @@
         <p:spPr/>
         <p:txBody>
           <a:bodyPr>
-            <a:normAutofit fontScale="85000" lnSpcReduction="20000"/>
+            <a:normAutofit fontScale="70000" lnSpcReduction="20000"/>
           </a:bodyPr>
           <a:lstStyle/>
           <a:p>
@@ -3631,11 +3627,37 @@
             <a:pPr lvl="1"/>
             <a:r>
               <a:rPr lang="en-CA" sz="2400" dirty="0" smtClean="0"/>
-              <a:t>Continue: Lesson A.3 </a:t>
+              <a:t>Wed, Thu, Fri: Work on Lesson </a:t>
+            </a:r>
+            <a:r>
+              <a:rPr lang="en-CA" sz="2400" dirty="0" smtClean="0"/>
+              <a:t>A.3 Dream </a:t>
+            </a:r>
+            <a:r>
+              <a:rPr lang="en-CA" sz="2400" dirty="0" smtClean="0"/>
+              <a:t>Machine</a:t>
+            </a:r>
+          </a:p>
+          <a:p>
+            <a:pPr lvl="1"/>
+            <a:r>
+              <a:rPr lang="en-CA" sz="2400" dirty="0" smtClean="0"/>
+              <a:t>Next Week: New Topic</a:t>
+            </a:r>
+          </a:p>
+          <a:p>
+            <a:pPr lvl="1"/>
+            <a:r>
+              <a:rPr lang="en-CA" sz="2400" dirty="0" smtClean="0"/>
+              <a:t>Wed, Oct 23 : Brochure Due (</a:t>
+            </a:r>
+            <a:r>
+              <a:rPr lang="en-CA" sz="2400" dirty="0" err="1" smtClean="0"/>
+              <a:t>t.b.d</a:t>
             </a:r>
             <a:r>
               <a:rPr lang="en-CA" sz="2400" smtClean="0"/>
-              <a:t>Dream Machine</a:t>
+              <a:t>.)</a:t>
             </a:r>
             <a:endParaRPr lang="en-US" sz="2400" dirty="0"/>
           </a:p>
